--- a/3-1-1.pptx
+++ b/3-1-1.pptx
@@ -204,7 +204,7 @@
           <a:p>
             <a:fld id="{BD60C228-97D1-8E44-9416-CD072C4A17FA}" type="datetimeFigureOut">
               <a:rPr kumimoji="1" lang="ja-JP" altLang="en-US" smtClean="0"/>
-              <a:t>2019/2/15</a:t>
+              <a:t>2019/2/16</a:t>
             </a:fld>
             <a:endParaRPr kumimoji="1" lang="ja-JP" altLang="en-US"/>
           </a:p>
@@ -777,7 +777,7 @@
           <a:p>
             <a:fld id="{0C718307-EB1B-4642-8BF2-B1E75E45477E}" type="datetimeFigureOut">
               <a:rPr kumimoji="1" lang="ja-JP" altLang="en-US" smtClean="0"/>
-              <a:t>2019/2/15</a:t>
+              <a:t>2019/2/16</a:t>
             </a:fld>
             <a:endParaRPr kumimoji="1" lang="ja-JP" altLang="en-US"/>
           </a:p>
@@ -955,7 +955,7 @@
           <a:p>
             <a:fld id="{0C718307-EB1B-4642-8BF2-B1E75E45477E}" type="datetimeFigureOut">
               <a:rPr kumimoji="1" lang="ja-JP" altLang="en-US" smtClean="0"/>
-              <a:t>2019/2/15</a:t>
+              <a:t>2019/2/16</a:t>
             </a:fld>
             <a:endParaRPr kumimoji="1" lang="ja-JP" altLang="en-US"/>
           </a:p>
@@ -1143,7 +1143,7 @@
           <a:p>
             <a:fld id="{0C718307-EB1B-4642-8BF2-B1E75E45477E}" type="datetimeFigureOut">
               <a:rPr kumimoji="1" lang="ja-JP" altLang="en-US" smtClean="0"/>
-              <a:t>2019/2/15</a:t>
+              <a:t>2019/2/16</a:t>
             </a:fld>
             <a:endParaRPr kumimoji="1" lang="ja-JP" altLang="en-US"/>
           </a:p>
@@ -1321,7 +1321,7 @@
           <a:p>
             <a:fld id="{0C718307-EB1B-4642-8BF2-B1E75E45477E}" type="datetimeFigureOut">
               <a:rPr kumimoji="1" lang="ja-JP" altLang="en-US" smtClean="0"/>
-              <a:t>2019/2/15</a:t>
+              <a:t>2019/2/16</a:t>
             </a:fld>
             <a:endParaRPr kumimoji="1" lang="ja-JP" altLang="en-US"/>
           </a:p>
@@ -1602,7 +1602,7 @@
           <a:p>
             <a:fld id="{0C718307-EB1B-4642-8BF2-B1E75E45477E}" type="datetimeFigureOut">
               <a:rPr kumimoji="1" lang="ja-JP" altLang="en-US" smtClean="0"/>
-              <a:t>2019/2/15</a:t>
+              <a:t>2019/2/16</a:t>
             </a:fld>
             <a:endParaRPr kumimoji="1" lang="ja-JP" altLang="en-US"/>
           </a:p>
@@ -1850,7 +1850,7 @@
           <a:p>
             <a:fld id="{0C718307-EB1B-4642-8BF2-B1E75E45477E}" type="datetimeFigureOut">
               <a:rPr kumimoji="1" lang="ja-JP" altLang="en-US" smtClean="0"/>
-              <a:t>2019/2/15</a:t>
+              <a:t>2019/2/16</a:t>
             </a:fld>
             <a:endParaRPr kumimoji="1" lang="ja-JP" altLang="en-US"/>
           </a:p>
@@ -2307,7 +2307,7 @@
           <a:p>
             <a:fld id="{0C718307-EB1B-4642-8BF2-B1E75E45477E}" type="datetimeFigureOut">
               <a:rPr kumimoji="1" lang="ja-JP" altLang="en-US" smtClean="0"/>
-              <a:t>2019/2/15</a:t>
+              <a:t>2019/2/16</a:t>
             </a:fld>
             <a:endParaRPr kumimoji="1" lang="ja-JP" altLang="en-US"/>
           </a:p>
@@ -2425,7 +2425,7 @@
           <a:p>
             <a:fld id="{0C718307-EB1B-4642-8BF2-B1E75E45477E}" type="datetimeFigureOut">
               <a:rPr kumimoji="1" lang="ja-JP" altLang="en-US" smtClean="0"/>
-              <a:t>2019/2/15</a:t>
+              <a:t>2019/2/16</a:t>
             </a:fld>
             <a:endParaRPr kumimoji="1" lang="ja-JP" altLang="en-US"/>
           </a:p>
@@ -2520,7 +2520,7 @@
           <a:p>
             <a:fld id="{0C718307-EB1B-4642-8BF2-B1E75E45477E}" type="datetimeFigureOut">
               <a:rPr kumimoji="1" lang="ja-JP" altLang="en-US" smtClean="0"/>
-              <a:t>2019/2/15</a:t>
+              <a:t>2019/2/16</a:t>
             </a:fld>
             <a:endParaRPr kumimoji="1" lang="ja-JP" altLang="en-US"/>
           </a:p>
@@ -2842,7 +2842,7 @@
           <a:p>
             <a:fld id="{0C718307-EB1B-4642-8BF2-B1E75E45477E}" type="datetimeFigureOut">
               <a:rPr kumimoji="1" lang="ja-JP" altLang="en-US" smtClean="0"/>
-              <a:t>2019/2/15</a:t>
+              <a:t>2019/2/16</a:t>
             </a:fld>
             <a:endParaRPr kumimoji="1" lang="ja-JP" altLang="en-US"/>
           </a:p>
@@ -3136,7 +3136,7 @@
           <a:p>
             <a:fld id="{0C718307-EB1B-4642-8BF2-B1E75E45477E}" type="datetimeFigureOut">
               <a:rPr kumimoji="1" lang="ja-JP" altLang="en-US" smtClean="0"/>
-              <a:t>2019/2/15</a:t>
+              <a:t>2019/2/16</a:t>
             </a:fld>
             <a:endParaRPr kumimoji="1" lang="ja-JP" altLang="en-US"/>
           </a:p>
@@ -3357,7 +3357,7 @@
           <a:p>
             <a:fld id="{0C718307-EB1B-4642-8BF2-B1E75E45477E}" type="datetimeFigureOut">
               <a:rPr kumimoji="1" lang="ja-JP" altLang="en-US" smtClean="0"/>
-              <a:t>2019/2/15</a:t>
+              <a:t>2019/2/16</a:t>
             </a:fld>
             <a:endParaRPr kumimoji="1" lang="ja-JP" altLang="en-US"/>
           </a:p>
@@ -5430,7 +5430,7 @@
         <p:spPr>
           <a:xfrm>
             <a:off x="3499153" y="4675910"/>
-            <a:ext cx="0" cy="1911927"/>
+            <a:ext cx="0" cy="2182090"/>
           </a:xfrm>
           <a:prstGeom prst="line">
             <a:avLst/>
@@ -5472,8 +5472,8 @@
         </p:nvCxnSpPr>
         <p:spPr>
           <a:xfrm>
-            <a:off x="6413833" y="4707082"/>
-            <a:ext cx="0" cy="2005446"/>
+            <a:off x="6413833" y="4673832"/>
+            <a:ext cx="0" cy="2184168"/>
           </a:xfrm>
           <a:prstGeom prst="line">
             <a:avLst/>
@@ -5644,7 +5644,7 @@
         </p:nvCxnSpPr>
         <p:spPr>
           <a:xfrm flipH="1">
-            <a:off x="6413833" y="4707082"/>
+            <a:off x="6413833" y="4673832"/>
             <a:ext cx="2660954" cy="0"/>
           </a:xfrm>
           <a:prstGeom prst="line">
@@ -6228,6 +6228,94 @@
               <a:rPr lang="ja-JP" altLang="en-US"/>
               <a:t>秒</a:t>
             </a:r>
+            <a:endParaRPr kumimoji="1" lang="ja-JP" altLang="en-US"/>
+          </a:p>
+        </p:txBody>
+      </p:sp>
+      <p:sp>
+        <p:nvSpPr>
+          <p:cNvPr id="6" name="正方形/長方形 5">
+            <a:extLst>
+              <a:ext uri="{FF2B5EF4-FFF2-40B4-BE49-F238E27FC236}">
+                <a16:creationId xmlns:a16="http://schemas.microsoft.com/office/drawing/2014/main" id="{4DDBDC34-C964-4A43-9521-28B03BF30151}"/>
+              </a:ext>
+            </a:extLst>
+          </p:cNvPr>
+          <p:cNvSpPr/>
+          <p:nvPr/>
+        </p:nvSpPr>
+        <p:spPr>
+          <a:xfrm>
+            <a:off x="6684968" y="4114803"/>
+            <a:ext cx="71718" cy="194051"/>
+          </a:xfrm>
+          <a:prstGeom prst="rect">
+            <a:avLst/>
+          </a:prstGeom>
+        </p:spPr>
+        <p:style>
+          <a:lnRef idx="2">
+            <a:schemeClr val="dk1"/>
+          </a:lnRef>
+          <a:fillRef idx="1">
+            <a:schemeClr val="lt1"/>
+          </a:fillRef>
+          <a:effectRef idx="0">
+            <a:schemeClr val="dk1"/>
+          </a:effectRef>
+          <a:fontRef idx="minor">
+            <a:schemeClr val="dk1"/>
+          </a:fontRef>
+        </p:style>
+        <p:txBody>
+          <a:bodyPr rtlCol="0" anchor="ctr"/>
+          <a:lstStyle/>
+          <a:p>
+            <a:pPr algn="ctr"/>
+            <a:endParaRPr kumimoji="1" lang="ja-JP" altLang="en-US"/>
+          </a:p>
+        </p:txBody>
+      </p:sp>
+      <p:sp>
+        <p:nvSpPr>
+          <p:cNvPr id="22" name="正方形/長方形 21">
+            <a:extLst>
+              <a:ext uri="{FF2B5EF4-FFF2-40B4-BE49-F238E27FC236}">
+                <a16:creationId xmlns:a16="http://schemas.microsoft.com/office/drawing/2014/main" id="{7F5B02A8-2737-9D48-BDAA-D91D8BFE02B8}"/>
+              </a:ext>
+            </a:extLst>
+          </p:cNvPr>
+          <p:cNvSpPr/>
+          <p:nvPr/>
+        </p:nvSpPr>
+        <p:spPr>
+          <a:xfrm rot="16200000">
+            <a:off x="5659378" y="4798498"/>
+            <a:ext cx="67012" cy="209760"/>
+          </a:xfrm>
+          <a:prstGeom prst="rect">
+            <a:avLst/>
+          </a:prstGeom>
+        </p:spPr>
+        <p:style>
+          <a:lnRef idx="2">
+            <a:schemeClr val="dk1"/>
+          </a:lnRef>
+          <a:fillRef idx="1">
+            <a:schemeClr val="lt1"/>
+          </a:fillRef>
+          <a:effectRef idx="0">
+            <a:schemeClr val="dk1"/>
+          </a:effectRef>
+          <a:fontRef idx="minor">
+            <a:schemeClr val="dk1"/>
+          </a:fontRef>
+        </p:style>
+        <p:txBody>
+          <a:bodyPr rtlCol="0" anchor="ctr"/>
+          <a:lstStyle/>
+          <a:p>
+            <a:pPr algn="ctr"/>
             <a:endParaRPr kumimoji="1" lang="ja-JP" altLang="en-US"/>
           </a:p>
         </p:txBody>
